--- a/psd/46046-life science ppt templates.pptx
+++ b/psd/46046-life science ppt templates.pptx
@@ -2251,6 +2251,116 @@
       </p:grpSpPr>
       <p:sp>
         <p:nvSpPr>
+          <p:cNvPr id="9" name="Rectangle 8">
+            <a:extLst>
+              <a:ext uri="{FF2B5EF4-FFF2-40B4-BE49-F238E27FC236}">
+                <a16:creationId xmlns:a16="http://schemas.microsoft.com/office/drawing/2014/main" id="{3E345E2A-8F20-4CA0-AA4B-618F85C95F0E}"/>
+              </a:ext>
+            </a:extLst>
+          </p:cNvPr>
+          <p:cNvSpPr/>
+          <p:nvPr userDrawn="1"/>
+        </p:nvSpPr>
+        <p:spPr>
+          <a:xfrm>
+            <a:off x="-5500" y="237541"/>
+            <a:ext cx="9687140" cy="618604"/>
+          </a:xfrm>
+          <a:prstGeom prst="rect">
+            <a:avLst/>
+          </a:prstGeom>
+          <a:blipFill dpi="0" rotWithShape="1">
+            <a:blip r:embed="rId2"/>
+            <a:srcRect/>
+            <a:stretch>
+              <a:fillRect l="-312" t="-595729" r="-26176" b="-765723"/>
+            </a:stretch>
+          </a:blipFill>
+          <a:ln>
+            <a:noFill/>
+          </a:ln>
+        </p:spPr>
+        <p:style>
+          <a:lnRef idx="2">
+            <a:schemeClr val="accent1">
+              <a:shade val="50000"/>
+            </a:schemeClr>
+          </a:lnRef>
+          <a:fillRef idx="1">
+            <a:schemeClr val="accent1"/>
+          </a:fillRef>
+          <a:effectRef idx="0">
+            <a:schemeClr val="accent1"/>
+          </a:effectRef>
+          <a:fontRef idx="minor">
+            <a:schemeClr val="lt1"/>
+          </a:fontRef>
+        </p:style>
+        <p:txBody>
+          <a:bodyPr rtlCol="0" anchor="ctr"/>
+          <a:lstStyle/>
+          <a:p>
+            <a:pPr algn="ctr"/>
+            <a:endParaRPr lang="en-IN"/>
+          </a:p>
+        </p:txBody>
+      </p:sp>
+      <p:sp>
+        <p:nvSpPr>
+          <p:cNvPr id="8" name="Rectangle 7">
+            <a:extLst>
+              <a:ext uri="{FF2B5EF4-FFF2-40B4-BE49-F238E27FC236}">
+                <a16:creationId xmlns:a16="http://schemas.microsoft.com/office/drawing/2014/main" id="{318FF1D8-558A-45EB-BA6C-D8C86BFB6496}"/>
+              </a:ext>
+            </a:extLst>
+          </p:cNvPr>
+          <p:cNvSpPr/>
+          <p:nvPr userDrawn="1"/>
+        </p:nvSpPr>
+        <p:spPr>
+          <a:xfrm>
+            <a:off x="0" y="237541"/>
+            <a:ext cx="9687140" cy="627253"/>
+          </a:xfrm>
+          <a:prstGeom prst="rect">
+            <a:avLst/>
+          </a:prstGeom>
+          <a:solidFill>
+            <a:schemeClr val="accent1">
+              <a:alpha val="72000"/>
+            </a:schemeClr>
+          </a:solidFill>
+          <a:ln>
+            <a:noFill/>
+          </a:ln>
+        </p:spPr>
+        <p:style>
+          <a:lnRef idx="2">
+            <a:schemeClr val="accent1">
+              <a:shade val="50000"/>
+            </a:schemeClr>
+          </a:lnRef>
+          <a:fillRef idx="1">
+            <a:schemeClr val="accent1"/>
+          </a:fillRef>
+          <a:effectRef idx="0">
+            <a:schemeClr val="accent1"/>
+          </a:effectRef>
+          <a:fontRef idx="minor">
+            <a:schemeClr val="lt1"/>
+          </a:fontRef>
+        </p:style>
+        <p:txBody>
+          <a:bodyPr rtlCol="0" anchor="ctr"/>
+          <a:lstStyle/>
+          <a:p>
+            <a:pPr algn="ctr"/>
+            <a:endParaRPr lang="zh-CN" altLang="en-US"/>
+          </a:p>
+        </p:txBody>
+      </p:sp>
+      <p:sp>
+        <p:nvSpPr>
           <p:cNvPr id="2" name="Title 1">
             <a:extLst>
               <a:ext uri="{FF2B5EF4-FFF2-40B4-BE49-F238E27FC236}">
@@ -2265,16 +2375,31 @@
             <p:ph type="title"/>
           </p:nvPr>
         </p:nvSpPr>
-        <p:spPr/>
-        <p:txBody>
-          <a:bodyPr/>
-          <a:lstStyle/>
-          <a:p>
-            <a:r>
-              <a:rPr lang="en-US"/>
+        <p:spPr>
+          <a:xfrm>
+            <a:off x="185058" y="301331"/>
+            <a:ext cx="8628933" cy="499671"/>
+          </a:xfrm>
+        </p:spPr>
+        <p:txBody>
+          <a:bodyPr>
+            <a:noAutofit/>
+          </a:bodyPr>
+          <a:lstStyle>
+            <a:lvl1pPr>
+              <a:defRPr sz="3600">
+                <a:solidFill>
+                  <a:schemeClr val="bg1"/>
+                </a:solidFill>
+              </a:defRPr>
+            </a:lvl1pPr>
+          </a:lstStyle>
+          <a:p>
+            <a:r>
+              <a:rPr lang="en-US" dirty="0"/>
               <a:t>Click to edit Master title style</a:t>
             </a:r>
-            <a:endParaRPr lang="en-IN"/>
+            <a:endParaRPr lang="en-IN" dirty="0"/>
           </a:p>
         </p:txBody>
       </p:sp>
@@ -2294,7 +2419,12 @@
             <p:ph idx="1"/>
           </p:nvPr>
         </p:nvSpPr>
-        <p:spPr/>
+        <p:spPr>
+          <a:xfrm>
+            <a:off x="185058" y="1007476"/>
+            <a:ext cx="11839646" cy="5197543"/>
+          </a:xfrm>
+        </p:spPr>
         <p:txBody>
           <a:bodyPr/>
           <a:lstStyle/>
@@ -2419,6 +2549,42 @@
           </a:p>
         </p:txBody>
       </p:sp>
+      <p:pic>
+        <p:nvPicPr>
+          <p:cNvPr id="7" name="Picture 6">
+            <a:extLst>
+              <a:ext uri="{FF2B5EF4-FFF2-40B4-BE49-F238E27FC236}">
+                <a16:creationId xmlns:a16="http://schemas.microsoft.com/office/drawing/2014/main" id="{58A37D89-CAEF-464D-8F9F-0CAE5DC7C26F}"/>
+              </a:ext>
+            </a:extLst>
+          </p:cNvPr>
+          <p:cNvPicPr>
+            <a:picLocks noChangeAspect="1"/>
+          </p:cNvPicPr>
+          <p:nvPr userDrawn="1"/>
+        </p:nvPicPr>
+        <p:blipFill>
+          <a:blip r:embed="rId3">
+            <a:extLst>
+              <a:ext uri="{28A0092B-C50C-407E-A947-70E740481C1C}">
+                <a14:useLocalDpi xmlns:a14="http://schemas.microsoft.com/office/drawing/2010/main" val="0"/>
+              </a:ext>
+            </a:extLst>
+          </a:blip>
+          <a:stretch>
+            <a:fillRect/>
+          </a:stretch>
+        </p:blipFill>
+        <p:spPr>
+          <a:xfrm>
+            <a:off x="11032726" y="5035573"/>
+            <a:ext cx="878183" cy="1534572"/>
+          </a:xfrm>
+          <a:prstGeom prst="rect">
+            <a:avLst/>
+          </a:prstGeom>
+        </p:spPr>
+      </p:pic>
     </p:spTree>
     <p:extLst>
       <p:ext uri="{BB962C8B-B14F-4D97-AF65-F5344CB8AC3E}">

--- a/psd/46046-life science ppt templates.pptx
+++ b/psd/46046-life science ppt templates.pptx
@@ -6,6 +6,7 @@
   </p:sldMasterIdLst>
   <p:sldIdLst>
     <p:sldId id="257" r:id="rId2"/>
+    <p:sldId id="258" r:id="rId3"/>
   </p:sldIdLst>
   <p:sldSz cx="12192000" cy="6858000"/>
   <p:notesSz cx="6858000" cy="9144000"/>
@@ -2333,6 +2334,13 @@
           <a:ln>
             <a:noFill/>
           </a:ln>
+          <a:effectLst>
+            <a:outerShdw blurRad="355600" sx="102000" sy="102000" algn="ctr" rotWithShape="0">
+              <a:prstClr val="black">
+                <a:alpha val="26000"/>
+              </a:prstClr>
+            </a:outerShdw>
+          </a:effectLst>
         </p:spPr>
         <p:style>
           <a:lnRef idx="2">
@@ -2577,7 +2585,7 @@
         </p:blipFill>
         <p:spPr>
           <a:xfrm>
-            <a:off x="11032726" y="5035573"/>
+            <a:off x="11146521" y="5186903"/>
             <a:ext cx="878183" cy="1534572"/>
           </a:xfrm>
           <a:prstGeom prst="rect">
@@ -4418,9 +4426,19 @@
 <p:sldMaster xmlns:a="http://schemas.openxmlformats.org/drawingml/2006/main" xmlns:r="http://schemas.openxmlformats.org/officeDocument/2006/relationships" xmlns:p="http://schemas.openxmlformats.org/presentationml/2006/main">
   <p:cSld>
     <p:bg>
-      <p:bgRef idx="1001">
-        <a:schemeClr val="bg1"/>
-      </p:bgRef>
+      <p:bgPr>
+        <a:pattFill prst="pct5">
+          <a:fgClr>
+            <a:schemeClr val="bg1">
+              <a:lumMod val="85000"/>
+            </a:schemeClr>
+          </a:fgClr>
+          <a:bgClr>
+            <a:schemeClr val="bg1"/>
+          </a:bgClr>
+        </a:pattFill>
+        <a:effectLst/>
+      </p:bgPr>
     </p:bg>
     <p:spTree>
       <p:nvGrpSpPr>
@@ -5064,6 +5082,86 @@
 </p:sld>
 </file>
 
+<file path=ppt/slides/slide2.xml><?xml version="1.0" encoding="utf-8"?>
+<p:sld xmlns:a="http://schemas.openxmlformats.org/drawingml/2006/main" xmlns:r="http://schemas.openxmlformats.org/officeDocument/2006/relationships" xmlns:p="http://schemas.openxmlformats.org/presentationml/2006/main">
+  <p:cSld>
+    <p:spTree>
+      <p:nvGrpSpPr>
+        <p:cNvPr id="1" name=""/>
+        <p:cNvGrpSpPr/>
+        <p:nvPr/>
+      </p:nvGrpSpPr>
+      <p:grpSpPr>
+        <a:xfrm>
+          <a:off x="0" y="0"/>
+          <a:ext cx="0" cy="0"/>
+          <a:chOff x="0" y="0"/>
+          <a:chExt cx="0" cy="0"/>
+        </a:xfrm>
+      </p:grpSpPr>
+      <p:sp>
+        <p:nvSpPr>
+          <p:cNvPr id="2" name="Title 1">
+            <a:extLst>
+              <a:ext uri="{FF2B5EF4-FFF2-40B4-BE49-F238E27FC236}">
+                <a16:creationId xmlns:a16="http://schemas.microsoft.com/office/drawing/2014/main" id="{BEE57282-7201-489A-9DA8-1EE640700F29}"/>
+              </a:ext>
+            </a:extLst>
+          </p:cNvPr>
+          <p:cNvSpPr>
+            <a:spLocks noGrp="1"/>
+          </p:cNvSpPr>
+          <p:nvPr>
+            <p:ph type="title"/>
+          </p:nvPr>
+        </p:nvSpPr>
+        <p:spPr/>
+        <p:txBody>
+          <a:bodyPr/>
+          <a:lstStyle/>
+          <a:p>
+            <a:endParaRPr lang="zh-CN" altLang="en-US"/>
+          </a:p>
+        </p:txBody>
+      </p:sp>
+      <p:sp>
+        <p:nvSpPr>
+          <p:cNvPr id="3" name="Content Placeholder 2">
+            <a:extLst>
+              <a:ext uri="{FF2B5EF4-FFF2-40B4-BE49-F238E27FC236}">
+                <a16:creationId xmlns:a16="http://schemas.microsoft.com/office/drawing/2014/main" id="{012B8561-AE15-47CE-8405-09DA207617BB}"/>
+              </a:ext>
+            </a:extLst>
+          </p:cNvPr>
+          <p:cNvSpPr>
+            <a:spLocks noGrp="1"/>
+          </p:cNvSpPr>
+          <p:nvPr>
+            <p:ph idx="1"/>
+          </p:nvPr>
+        </p:nvSpPr>
+        <p:spPr/>
+        <p:txBody>
+          <a:bodyPr/>
+          <a:lstStyle/>
+          <a:p>
+            <a:endParaRPr lang="zh-CN" altLang="en-US"/>
+          </a:p>
+        </p:txBody>
+      </p:sp>
+    </p:spTree>
+    <p:extLst>
+      <p:ext uri="{BB962C8B-B14F-4D97-AF65-F5344CB8AC3E}">
+        <p14:creationId xmlns:p14="http://schemas.microsoft.com/office/powerpoint/2010/main" val="3462909212"/>
+      </p:ext>
+    </p:extLst>
+  </p:cSld>
+  <p:clrMapOvr>
+    <a:masterClrMapping/>
+  </p:clrMapOvr>
+</p:sld>
+</file>
+
 <file path=ppt/theme/theme1.xml><?xml version="1.0" encoding="utf-8"?>
 <a:theme xmlns:a="http://schemas.openxmlformats.org/drawingml/2006/main" name="Office Theme">
   <a:themeElements>

--- a/psd/46046-life science ppt templates.pptx
+++ b/psd/46046-life science ppt templates.pptx
@@ -7,6 +7,7 @@
   <p:sldIdLst>
     <p:sldId id="257" r:id="rId2"/>
     <p:sldId id="258" r:id="rId3"/>
+    <p:sldId id="259" r:id="rId4"/>
   </p:sldIdLst>
   <p:sldSz cx="12192000" cy="6858000"/>
   <p:notesSz cx="6858000" cy="9144000"/>
@@ -381,7 +382,7 @@
           <a:p>
             <a:fld id="{C8D862E6-F1C9-4549-B6A1-420711E466AF}" type="datetimeFigureOut">
               <a:rPr lang="en-IN" smtClean="0"/>
-              <a:t>20-10-2024</a:t>
+              <a:t>05-11-2024</a:t>
             </a:fld>
             <a:endParaRPr lang="en-IN"/>
           </a:p>
@@ -1824,6 +1825,295 @@
 </file>
 
 <file path=ppt/slideLayouts/slideLayout10.xml><?xml version="1.0" encoding="utf-8"?>
+<p:sldLayout xmlns:a="http://schemas.openxmlformats.org/drawingml/2006/main" xmlns:r="http://schemas.openxmlformats.org/officeDocument/2006/relationships" xmlns:p="http://schemas.openxmlformats.org/presentationml/2006/main" type="picTx" preserve="1">
+  <p:cSld name="Picture with Caption">
+    <p:spTree>
+      <p:nvGrpSpPr>
+        <p:cNvPr id="1" name=""/>
+        <p:cNvGrpSpPr/>
+        <p:nvPr/>
+      </p:nvGrpSpPr>
+      <p:grpSpPr>
+        <a:xfrm>
+          <a:off x="0" y="0"/>
+          <a:ext cx="0" cy="0"/>
+          <a:chOff x="0" y="0"/>
+          <a:chExt cx="0" cy="0"/>
+        </a:xfrm>
+      </p:grpSpPr>
+      <p:sp>
+        <p:nvSpPr>
+          <p:cNvPr id="2" name="Title 1">
+            <a:extLst>
+              <a:ext uri="{FF2B5EF4-FFF2-40B4-BE49-F238E27FC236}">
+                <a16:creationId xmlns:a16="http://schemas.microsoft.com/office/drawing/2014/main" id="{1B0C34CA-8A0A-40FA-BB56-B7B58053F332}"/>
+              </a:ext>
+            </a:extLst>
+          </p:cNvPr>
+          <p:cNvSpPr>
+            <a:spLocks noGrp="1"/>
+          </p:cNvSpPr>
+          <p:nvPr>
+            <p:ph type="title"/>
+          </p:nvPr>
+        </p:nvSpPr>
+        <p:spPr>
+          <a:xfrm>
+            <a:off x="839788" y="457200"/>
+            <a:ext cx="3932237" cy="1600200"/>
+          </a:xfrm>
+        </p:spPr>
+        <p:txBody>
+          <a:bodyPr anchor="b"/>
+          <a:lstStyle>
+            <a:lvl1pPr>
+              <a:defRPr sz="3200"/>
+            </a:lvl1pPr>
+          </a:lstStyle>
+          <a:p>
+            <a:r>
+              <a:rPr lang="en-US"/>
+              <a:t>Click to edit Master title style</a:t>
+            </a:r>
+            <a:endParaRPr lang="en-IN"/>
+          </a:p>
+        </p:txBody>
+      </p:sp>
+      <p:sp>
+        <p:nvSpPr>
+          <p:cNvPr id="3" name="Picture Placeholder 2">
+            <a:extLst>
+              <a:ext uri="{FF2B5EF4-FFF2-40B4-BE49-F238E27FC236}">
+                <a16:creationId xmlns:a16="http://schemas.microsoft.com/office/drawing/2014/main" id="{CDB11AA5-463C-457B-A663-48B15631CF12}"/>
+              </a:ext>
+            </a:extLst>
+          </p:cNvPr>
+          <p:cNvSpPr>
+            <a:spLocks noGrp="1"/>
+          </p:cNvSpPr>
+          <p:nvPr>
+            <p:ph type="pic" idx="1"/>
+          </p:nvPr>
+        </p:nvSpPr>
+        <p:spPr>
+          <a:xfrm>
+            <a:off x="5183188" y="987425"/>
+            <a:ext cx="6172200" cy="4873625"/>
+          </a:xfrm>
+        </p:spPr>
+        <p:txBody>
+          <a:bodyPr/>
+          <a:lstStyle>
+            <a:lvl1pPr marL="0" indent="0">
+              <a:buNone/>
+              <a:defRPr sz="3200"/>
+            </a:lvl1pPr>
+            <a:lvl2pPr marL="457200" indent="0">
+              <a:buNone/>
+              <a:defRPr sz="2800"/>
+            </a:lvl2pPr>
+            <a:lvl3pPr marL="914400" indent="0">
+              <a:buNone/>
+              <a:defRPr sz="2400"/>
+            </a:lvl3pPr>
+            <a:lvl4pPr marL="1371600" indent="0">
+              <a:buNone/>
+              <a:defRPr sz="2000"/>
+            </a:lvl4pPr>
+            <a:lvl5pPr marL="1828800" indent="0">
+              <a:buNone/>
+              <a:defRPr sz="2000"/>
+            </a:lvl5pPr>
+            <a:lvl6pPr marL="2286000" indent="0">
+              <a:buNone/>
+              <a:defRPr sz="2000"/>
+            </a:lvl6pPr>
+            <a:lvl7pPr marL="2743200" indent="0">
+              <a:buNone/>
+              <a:defRPr sz="2000"/>
+            </a:lvl7pPr>
+            <a:lvl8pPr marL="3200400" indent="0">
+              <a:buNone/>
+              <a:defRPr sz="2000"/>
+            </a:lvl8pPr>
+            <a:lvl9pPr marL="3657600" indent="0">
+              <a:buNone/>
+              <a:defRPr sz="2000"/>
+            </a:lvl9pPr>
+          </a:lstStyle>
+          <a:p>
+            <a:endParaRPr lang="en-IN"/>
+          </a:p>
+        </p:txBody>
+      </p:sp>
+      <p:sp>
+        <p:nvSpPr>
+          <p:cNvPr id="4" name="Text Placeholder 3">
+            <a:extLst>
+              <a:ext uri="{FF2B5EF4-FFF2-40B4-BE49-F238E27FC236}">
+                <a16:creationId xmlns:a16="http://schemas.microsoft.com/office/drawing/2014/main" id="{A2B5E063-DCBB-470E-9174-DD779849D8BA}"/>
+              </a:ext>
+            </a:extLst>
+          </p:cNvPr>
+          <p:cNvSpPr>
+            <a:spLocks noGrp="1"/>
+          </p:cNvSpPr>
+          <p:nvPr>
+            <p:ph type="body" sz="half" idx="2"/>
+          </p:nvPr>
+        </p:nvSpPr>
+        <p:spPr>
+          <a:xfrm>
+            <a:off x="839788" y="2057400"/>
+            <a:ext cx="3932237" cy="3811588"/>
+          </a:xfrm>
+        </p:spPr>
+        <p:txBody>
+          <a:bodyPr/>
+          <a:lstStyle>
+            <a:lvl1pPr marL="0" indent="0">
+              <a:buNone/>
+              <a:defRPr sz="1600"/>
+            </a:lvl1pPr>
+            <a:lvl2pPr marL="457200" indent="0">
+              <a:buNone/>
+              <a:defRPr sz="1400"/>
+            </a:lvl2pPr>
+            <a:lvl3pPr marL="914400" indent="0">
+              <a:buNone/>
+              <a:defRPr sz="1200"/>
+            </a:lvl3pPr>
+            <a:lvl4pPr marL="1371600" indent="0">
+              <a:buNone/>
+              <a:defRPr sz="1000"/>
+            </a:lvl4pPr>
+            <a:lvl5pPr marL="1828800" indent="0">
+              <a:buNone/>
+              <a:defRPr sz="1000"/>
+            </a:lvl5pPr>
+            <a:lvl6pPr marL="2286000" indent="0">
+              <a:buNone/>
+              <a:defRPr sz="1000"/>
+            </a:lvl6pPr>
+            <a:lvl7pPr marL="2743200" indent="0">
+              <a:buNone/>
+              <a:defRPr sz="1000"/>
+            </a:lvl7pPr>
+            <a:lvl8pPr marL="3200400" indent="0">
+              <a:buNone/>
+              <a:defRPr sz="1000"/>
+            </a:lvl8pPr>
+            <a:lvl9pPr marL="3657600" indent="0">
+              <a:buNone/>
+              <a:defRPr sz="1000"/>
+            </a:lvl9pPr>
+          </a:lstStyle>
+          <a:p>
+            <a:pPr lvl="0"/>
+            <a:r>
+              <a:rPr lang="en-US"/>
+              <a:t>Click to edit Master text styles</a:t>
+            </a:r>
+          </a:p>
+        </p:txBody>
+      </p:sp>
+      <p:sp>
+        <p:nvSpPr>
+          <p:cNvPr id="5" name="Date Placeholder 4">
+            <a:extLst>
+              <a:ext uri="{FF2B5EF4-FFF2-40B4-BE49-F238E27FC236}">
+                <a16:creationId xmlns:a16="http://schemas.microsoft.com/office/drawing/2014/main" id="{3433A6CA-CC18-4500-B95B-D7ADA5F43CC0}"/>
+              </a:ext>
+            </a:extLst>
+          </p:cNvPr>
+          <p:cNvSpPr>
+            <a:spLocks noGrp="1"/>
+          </p:cNvSpPr>
+          <p:nvPr>
+            <p:ph type="dt" sz="half" idx="10"/>
+          </p:nvPr>
+        </p:nvSpPr>
+        <p:spPr/>
+        <p:txBody>
+          <a:bodyPr/>
+          <a:lstStyle/>
+          <a:p>
+            <a:fld id="{C8D862E6-F1C9-4549-B6A1-420711E466AF}" type="datetimeFigureOut">
+              <a:rPr lang="en-IN" smtClean="0"/>
+              <a:t>05-11-2024</a:t>
+            </a:fld>
+            <a:endParaRPr lang="en-IN"/>
+          </a:p>
+        </p:txBody>
+      </p:sp>
+      <p:sp>
+        <p:nvSpPr>
+          <p:cNvPr id="6" name="Footer Placeholder 5">
+            <a:extLst>
+              <a:ext uri="{FF2B5EF4-FFF2-40B4-BE49-F238E27FC236}">
+                <a16:creationId xmlns:a16="http://schemas.microsoft.com/office/drawing/2014/main" id="{55AFDAF4-070D-4849-B2DD-D4FEDDBD90A0}"/>
+              </a:ext>
+            </a:extLst>
+          </p:cNvPr>
+          <p:cNvSpPr>
+            <a:spLocks noGrp="1"/>
+          </p:cNvSpPr>
+          <p:nvPr>
+            <p:ph type="ftr" sz="quarter" idx="11"/>
+          </p:nvPr>
+        </p:nvSpPr>
+        <p:spPr/>
+        <p:txBody>
+          <a:bodyPr/>
+          <a:lstStyle/>
+          <a:p>
+            <a:endParaRPr lang="en-IN"/>
+          </a:p>
+        </p:txBody>
+      </p:sp>
+      <p:sp>
+        <p:nvSpPr>
+          <p:cNvPr id="7" name="Slide Number Placeholder 6">
+            <a:extLst>
+              <a:ext uri="{FF2B5EF4-FFF2-40B4-BE49-F238E27FC236}">
+                <a16:creationId xmlns:a16="http://schemas.microsoft.com/office/drawing/2014/main" id="{8D5CAE25-3318-4814-9C8D-97A28498C44C}"/>
+              </a:ext>
+            </a:extLst>
+          </p:cNvPr>
+          <p:cNvSpPr>
+            <a:spLocks noGrp="1"/>
+          </p:cNvSpPr>
+          <p:nvPr>
+            <p:ph type="sldNum" sz="quarter" idx="12"/>
+          </p:nvPr>
+        </p:nvSpPr>
+        <p:spPr/>
+        <p:txBody>
+          <a:bodyPr/>
+          <a:lstStyle/>
+          <a:p>
+            <a:fld id="{09F6550E-0A0E-4425-8233-2DEE23C0E167}" type="slidenum">
+              <a:rPr lang="en-IN" smtClean="0"/>
+              <a:t>‹#›</a:t>
+            </a:fld>
+            <a:endParaRPr lang="en-IN"/>
+          </a:p>
+        </p:txBody>
+      </p:sp>
+    </p:spTree>
+    <p:extLst>
+      <p:ext uri="{BB962C8B-B14F-4D97-AF65-F5344CB8AC3E}">
+        <p14:creationId xmlns:p14="http://schemas.microsoft.com/office/powerpoint/2010/main" val="1181003945"/>
+      </p:ext>
+    </p:extLst>
+  </p:cSld>
+  <p:clrMapOvr>
+    <a:masterClrMapping/>
+  </p:clrMapOvr>
+</p:sldLayout>
+</file>
+
+<file path=ppt/slideLayouts/slideLayout11.xml><?xml version="1.0" encoding="utf-8"?>
 <p:sldLayout xmlns:a="http://schemas.openxmlformats.org/drawingml/2006/main" xmlns:r="http://schemas.openxmlformats.org/officeDocument/2006/relationships" xmlns:p="http://schemas.openxmlformats.org/presentationml/2006/main" type="vertTx" preserve="1">
   <p:cSld name="Title and Vertical Text">
     <p:spTree>
@@ -1950,7 +2240,7 @@
           <a:p>
             <a:fld id="{C8D862E6-F1C9-4549-B6A1-420711E466AF}" type="datetimeFigureOut">
               <a:rPr lang="en-IN" smtClean="0"/>
-              <a:t>20-10-2024</a:t>
+              <a:t>05-11-2024</a:t>
             </a:fld>
             <a:endParaRPr lang="en-IN"/>
           </a:p>
@@ -2023,7 +2313,7 @@
 </p:sldLayout>
 </file>
 
-<file path=ppt/slideLayouts/slideLayout11.xml><?xml version="1.0" encoding="utf-8"?>
+<file path=ppt/slideLayouts/slideLayout12.xml><?xml version="1.0" encoding="utf-8"?>
 <p:sldLayout xmlns:a="http://schemas.openxmlformats.org/drawingml/2006/main" xmlns:r="http://schemas.openxmlformats.org/officeDocument/2006/relationships" xmlns:p="http://schemas.openxmlformats.org/presentationml/2006/main" type="vertTitleAndTx" preserve="1">
   <p:cSld name="Vertical Title and Text">
     <p:spTree>
@@ -2160,7 +2450,7 @@
           <a:p>
             <a:fld id="{C8D862E6-F1C9-4549-B6A1-420711E466AF}" type="datetimeFigureOut">
               <a:rPr lang="en-IN" smtClean="0"/>
-              <a:t>20-10-2024</a:t>
+              <a:t>05-11-2024</a:t>
             </a:fld>
             <a:endParaRPr lang="en-IN"/>
           </a:p>
@@ -2497,7 +2787,7 @@
           <a:p>
             <a:fld id="{C8D862E6-F1C9-4549-B6A1-420711E466AF}" type="datetimeFigureOut">
               <a:rPr lang="en-IN" smtClean="0"/>
-              <a:t>20-10-2024</a:t>
+              <a:t>05-11-2024</a:t>
             </a:fld>
             <a:endParaRPr lang="en-IN"/>
           </a:p>
@@ -2607,6 +2897,402 @@
 </file>
 
 <file path=ppt/slideLayouts/slideLayout3.xml><?xml version="1.0" encoding="utf-8"?>
+<p:sldLayout xmlns:a="http://schemas.openxmlformats.org/drawingml/2006/main" xmlns:r="http://schemas.openxmlformats.org/officeDocument/2006/relationships" xmlns:p="http://schemas.openxmlformats.org/presentationml/2006/main" showMasterSp="0" type="obj" preserve="1">
+  <p:cSld name="1_Title and Content">
+    <p:bg>
+      <p:bgPr>
+        <a:solidFill>
+          <a:schemeClr val="bg1"/>
+        </a:solidFill>
+        <a:effectLst/>
+      </p:bgPr>
+    </p:bg>
+    <p:spTree>
+      <p:nvGrpSpPr>
+        <p:cNvPr id="1" name=""/>
+        <p:cNvGrpSpPr/>
+        <p:nvPr/>
+      </p:nvGrpSpPr>
+      <p:grpSpPr>
+        <a:xfrm>
+          <a:off x="0" y="0"/>
+          <a:ext cx="0" cy="0"/>
+          <a:chOff x="0" y="0"/>
+          <a:chExt cx="0" cy="0"/>
+        </a:xfrm>
+      </p:grpSpPr>
+      <p:sp>
+        <p:nvSpPr>
+          <p:cNvPr id="10" name="标题 1">
+            <a:extLst>
+              <a:ext uri="{FF2B5EF4-FFF2-40B4-BE49-F238E27FC236}">
+                <a16:creationId xmlns:a16="http://schemas.microsoft.com/office/drawing/2014/main" id="{83AB7595-E9B6-4A13-8F44-04365103E5AC}"/>
+              </a:ext>
+            </a:extLst>
+          </p:cNvPr>
+          <p:cNvSpPr txBox="1"/>
+          <p:nvPr userDrawn="1"/>
+        </p:nvSpPr>
+        <p:spPr>
+          <a:xfrm>
+            <a:off x="0" y="0"/>
+            <a:ext cx="12192000" cy="6858000"/>
+          </a:xfrm>
+          <a:prstGeom prst="rect">
+            <a:avLst/>
+          </a:prstGeom>
+          <a:solidFill>
+            <a:schemeClr val="accent1">
+              <a:lumMod val="20000"/>
+              <a:lumOff val="80000"/>
+              <a:alpha val="21000"/>
+            </a:schemeClr>
+          </a:solidFill>
+          <a:ln w="19050" cap="sq">
+            <a:noFill/>
+            <a:miter/>
+          </a:ln>
+        </p:spPr>
+        <p:txBody>
+          <a:bodyPr vert="horz" wrap="square" lIns="91440" tIns="45720" rIns="91440" bIns="45720" rtlCol="0" anchor="ctr"/>
+          <a:lstStyle/>
+          <a:p>
+            <a:pPr algn="ctr"/>
+            <a:endParaRPr kumimoji="1" lang="zh-CN" altLang="en-US"/>
+          </a:p>
+        </p:txBody>
+      </p:sp>
+      <p:sp>
+        <p:nvSpPr>
+          <p:cNvPr id="11" name="标题 1">
+            <a:extLst>
+              <a:ext uri="{FF2B5EF4-FFF2-40B4-BE49-F238E27FC236}">
+                <a16:creationId xmlns:a16="http://schemas.microsoft.com/office/drawing/2014/main" id="{D7DA99D2-6310-42BC-9CA3-784CF55CBC97}"/>
+              </a:ext>
+            </a:extLst>
+          </p:cNvPr>
+          <p:cNvSpPr txBox="1"/>
+          <p:nvPr userDrawn="1"/>
+        </p:nvSpPr>
+        <p:spPr>
+          <a:xfrm>
+            <a:off x="275063" y="392345"/>
+            <a:ext cx="7530200" cy="612000"/>
+          </a:xfrm>
+          <a:prstGeom prst="rect">
+            <a:avLst/>
+          </a:prstGeom>
+          <a:gradFill>
+            <a:gsLst>
+              <a:gs pos="5000">
+                <a:schemeClr val="bg1">
+                  <a:lumMod val="95000"/>
+                </a:schemeClr>
+              </a:gs>
+              <a:gs pos="84000">
+                <a:schemeClr val="bg1"/>
+              </a:gs>
+            </a:gsLst>
+            <a:lin ang="0" scaled="0"/>
+          </a:gradFill>
+          <a:ln w="12700" cap="sq">
+            <a:noFill/>
+            <a:miter/>
+          </a:ln>
+          <a:effectLst>
+            <a:outerShdw blurRad="266700" dist="190500" sx="102000" sy="102000" algn="ctr" rotWithShape="0">
+              <a:prstClr val="black">
+                <a:alpha val="4000"/>
+              </a:prstClr>
+            </a:outerShdw>
+          </a:effectLst>
+        </p:spPr>
+        <p:txBody>
+          <a:bodyPr vert="horz" wrap="square" lIns="91440" tIns="45720" rIns="91440" bIns="45720" rtlCol="0" anchor="ctr"/>
+          <a:lstStyle/>
+          <a:p>
+            <a:pPr algn="ctr"/>
+            <a:endParaRPr kumimoji="1" lang="zh-CN" altLang="en-US"/>
+          </a:p>
+        </p:txBody>
+      </p:sp>
+      <p:sp>
+        <p:nvSpPr>
+          <p:cNvPr id="2" name="Title 1">
+            <a:extLst>
+              <a:ext uri="{FF2B5EF4-FFF2-40B4-BE49-F238E27FC236}">
+                <a16:creationId xmlns:a16="http://schemas.microsoft.com/office/drawing/2014/main" id="{2C8F08EF-4233-4DC7-A6CF-E7D21D765B15}"/>
+              </a:ext>
+            </a:extLst>
+          </p:cNvPr>
+          <p:cNvSpPr>
+            <a:spLocks noGrp="1"/>
+          </p:cNvSpPr>
+          <p:nvPr>
+            <p:ph type="title"/>
+          </p:nvPr>
+        </p:nvSpPr>
+        <p:spPr>
+          <a:xfrm>
+            <a:off x="838200" y="448509"/>
+            <a:ext cx="6877833" cy="499671"/>
+          </a:xfrm>
+        </p:spPr>
+        <p:txBody>
+          <a:bodyPr>
+            <a:noAutofit/>
+          </a:bodyPr>
+          <a:lstStyle>
+            <a:lvl1pPr>
+              <a:defRPr sz="2800" b="1">
+                <a:solidFill>
+                  <a:schemeClr val="tx1"/>
+                </a:solidFill>
+              </a:defRPr>
+            </a:lvl1pPr>
+          </a:lstStyle>
+          <a:p>
+            <a:r>
+              <a:rPr lang="en-US" dirty="0"/>
+              <a:t>Click to edit Master title style</a:t>
+            </a:r>
+            <a:endParaRPr lang="en-IN" dirty="0"/>
+          </a:p>
+        </p:txBody>
+      </p:sp>
+      <p:sp>
+        <p:nvSpPr>
+          <p:cNvPr id="3" name="Content Placeholder 2">
+            <a:extLst>
+              <a:ext uri="{FF2B5EF4-FFF2-40B4-BE49-F238E27FC236}">
+                <a16:creationId xmlns:a16="http://schemas.microsoft.com/office/drawing/2014/main" id="{6A10EF37-EAAA-4C8F-9800-84BE11EE90DF}"/>
+              </a:ext>
+            </a:extLst>
+          </p:cNvPr>
+          <p:cNvSpPr>
+            <a:spLocks noGrp="1"/>
+          </p:cNvSpPr>
+          <p:nvPr>
+            <p:ph idx="1"/>
+          </p:nvPr>
+        </p:nvSpPr>
+        <p:spPr>
+          <a:xfrm>
+            <a:off x="185058" y="1240077"/>
+            <a:ext cx="11839646" cy="4964942"/>
+          </a:xfrm>
+        </p:spPr>
+        <p:txBody>
+          <a:bodyPr/>
+          <a:lstStyle/>
+          <a:p>
+            <a:pPr lvl="0"/>
+            <a:r>
+              <a:rPr lang="en-US"/>
+              <a:t>Click to edit Master text styles</a:t>
+            </a:r>
+          </a:p>
+          <a:p>
+            <a:pPr lvl="1"/>
+            <a:r>
+              <a:rPr lang="en-US"/>
+              <a:t>Second level</a:t>
+            </a:r>
+          </a:p>
+          <a:p>
+            <a:pPr lvl="2"/>
+            <a:r>
+              <a:rPr lang="en-US"/>
+              <a:t>Third level</a:t>
+            </a:r>
+          </a:p>
+          <a:p>
+            <a:pPr lvl="3"/>
+            <a:r>
+              <a:rPr lang="en-US"/>
+              <a:t>Fourth level</a:t>
+            </a:r>
+          </a:p>
+          <a:p>
+            <a:pPr lvl="4"/>
+            <a:r>
+              <a:rPr lang="en-US"/>
+              <a:t>Fifth level</a:t>
+            </a:r>
+            <a:endParaRPr lang="en-IN"/>
+          </a:p>
+        </p:txBody>
+      </p:sp>
+      <p:sp>
+        <p:nvSpPr>
+          <p:cNvPr id="4" name="Date Placeholder 3">
+            <a:extLst>
+              <a:ext uri="{FF2B5EF4-FFF2-40B4-BE49-F238E27FC236}">
+                <a16:creationId xmlns:a16="http://schemas.microsoft.com/office/drawing/2014/main" id="{94640AAD-62F7-452A-B54E-3484BA69AC13}"/>
+              </a:ext>
+            </a:extLst>
+          </p:cNvPr>
+          <p:cNvSpPr>
+            <a:spLocks noGrp="1"/>
+          </p:cNvSpPr>
+          <p:nvPr>
+            <p:ph type="dt" sz="half" idx="10"/>
+          </p:nvPr>
+        </p:nvSpPr>
+        <p:spPr/>
+        <p:txBody>
+          <a:bodyPr/>
+          <a:lstStyle/>
+          <a:p>
+            <a:fld id="{C8D862E6-F1C9-4549-B6A1-420711E466AF}" type="datetimeFigureOut">
+              <a:rPr lang="en-IN" smtClean="0"/>
+              <a:t>05-11-2024</a:t>
+            </a:fld>
+            <a:endParaRPr lang="en-IN"/>
+          </a:p>
+        </p:txBody>
+      </p:sp>
+      <p:sp>
+        <p:nvSpPr>
+          <p:cNvPr id="5" name="Footer Placeholder 4">
+            <a:extLst>
+              <a:ext uri="{FF2B5EF4-FFF2-40B4-BE49-F238E27FC236}">
+                <a16:creationId xmlns:a16="http://schemas.microsoft.com/office/drawing/2014/main" id="{1358D28E-9BDD-4BC3-97C9-472DC9562D4E}"/>
+              </a:ext>
+            </a:extLst>
+          </p:cNvPr>
+          <p:cNvSpPr>
+            <a:spLocks noGrp="1"/>
+          </p:cNvSpPr>
+          <p:nvPr>
+            <p:ph type="ftr" sz="quarter" idx="11"/>
+          </p:nvPr>
+        </p:nvSpPr>
+        <p:spPr/>
+        <p:txBody>
+          <a:bodyPr/>
+          <a:lstStyle/>
+          <a:p>
+            <a:endParaRPr lang="en-IN"/>
+          </a:p>
+        </p:txBody>
+      </p:sp>
+      <p:sp>
+        <p:nvSpPr>
+          <p:cNvPr id="6" name="Slide Number Placeholder 5">
+            <a:extLst>
+              <a:ext uri="{FF2B5EF4-FFF2-40B4-BE49-F238E27FC236}">
+                <a16:creationId xmlns:a16="http://schemas.microsoft.com/office/drawing/2014/main" id="{56F5C666-179D-4F94-831A-9FD2EEAADDC6}"/>
+              </a:ext>
+            </a:extLst>
+          </p:cNvPr>
+          <p:cNvSpPr>
+            <a:spLocks noGrp="1"/>
+          </p:cNvSpPr>
+          <p:nvPr>
+            <p:ph type="sldNum" sz="quarter" idx="12"/>
+          </p:nvPr>
+        </p:nvSpPr>
+        <p:spPr/>
+        <p:txBody>
+          <a:bodyPr/>
+          <a:lstStyle/>
+          <a:p>
+            <a:fld id="{09F6550E-0A0E-4425-8233-2DEE23C0E167}" type="slidenum">
+              <a:rPr lang="en-IN" smtClean="0"/>
+              <a:t>‹#›</a:t>
+            </a:fld>
+            <a:endParaRPr lang="en-IN"/>
+          </a:p>
+        </p:txBody>
+      </p:sp>
+      <p:pic>
+        <p:nvPicPr>
+          <p:cNvPr id="7" name="Picture 6">
+            <a:extLst>
+              <a:ext uri="{FF2B5EF4-FFF2-40B4-BE49-F238E27FC236}">
+                <a16:creationId xmlns:a16="http://schemas.microsoft.com/office/drawing/2014/main" id="{58A37D89-CAEF-464D-8F9F-0CAE5DC7C26F}"/>
+              </a:ext>
+            </a:extLst>
+          </p:cNvPr>
+          <p:cNvPicPr>
+            <a:picLocks noChangeAspect="1"/>
+          </p:cNvPicPr>
+          <p:nvPr userDrawn="1"/>
+        </p:nvPicPr>
+        <p:blipFill>
+          <a:blip r:embed="rId2">
+            <a:extLst>
+              <a:ext uri="{28A0092B-C50C-407E-A947-70E740481C1C}">
+                <a14:useLocalDpi xmlns:a14="http://schemas.microsoft.com/office/drawing/2010/main" val="0"/>
+              </a:ext>
+            </a:extLst>
+          </a:blip>
+          <a:stretch>
+            <a:fillRect/>
+          </a:stretch>
+        </p:blipFill>
+        <p:spPr>
+          <a:xfrm>
+            <a:off x="11146521" y="5186903"/>
+            <a:ext cx="878183" cy="1534572"/>
+          </a:xfrm>
+          <a:prstGeom prst="rect">
+            <a:avLst/>
+          </a:prstGeom>
+        </p:spPr>
+      </p:pic>
+      <p:sp>
+        <p:nvSpPr>
+          <p:cNvPr id="12" name="标题 1">
+            <a:extLst>
+              <a:ext uri="{FF2B5EF4-FFF2-40B4-BE49-F238E27FC236}">
+                <a16:creationId xmlns:a16="http://schemas.microsoft.com/office/drawing/2014/main" id="{1DD2B74F-91CC-47AD-99FF-1CC69C674F34}"/>
+              </a:ext>
+            </a:extLst>
+          </p:cNvPr>
+          <p:cNvSpPr txBox="1"/>
+          <p:nvPr userDrawn="1"/>
+        </p:nvSpPr>
+        <p:spPr>
+          <a:xfrm>
+            <a:off x="444400" y="0"/>
+            <a:ext cx="216000" cy="698810"/>
+          </a:xfrm>
+          <a:prstGeom prst="rect">
+            <a:avLst/>
+          </a:prstGeom>
+          <a:solidFill>
+            <a:schemeClr val="accent1"/>
+          </a:solidFill>
+          <a:ln w="25400" cap="sq">
+            <a:noFill/>
+            <a:miter/>
+          </a:ln>
+        </p:spPr>
+        <p:txBody>
+          <a:bodyPr vert="horz" wrap="square" lIns="91440" tIns="45720" rIns="91440" bIns="45720" rtlCol="0" anchor="ctr"/>
+          <a:lstStyle/>
+          <a:p>
+            <a:pPr algn="ctr"/>
+            <a:endParaRPr kumimoji="1" lang="zh-CN" altLang="en-US"/>
+          </a:p>
+        </p:txBody>
+      </p:sp>
+    </p:spTree>
+    <p:extLst>
+      <p:ext uri="{BB962C8B-B14F-4D97-AF65-F5344CB8AC3E}">
+        <p14:creationId xmlns:p14="http://schemas.microsoft.com/office/powerpoint/2010/main" val="292788524"/>
+      </p:ext>
+    </p:extLst>
+  </p:cSld>
+  <p:clrMapOvr>
+    <a:masterClrMapping/>
+  </p:clrMapOvr>
+</p:sldLayout>
+</file>
+
+<file path=ppt/slideLayouts/slideLayout4.xml><?xml version="1.0" encoding="utf-8"?>
 <p:sldLayout xmlns:a="http://schemas.openxmlformats.org/drawingml/2006/main" xmlns:r="http://schemas.openxmlformats.org/officeDocument/2006/relationships" xmlns:p="http://schemas.openxmlformats.org/presentationml/2006/main" type="secHead" preserve="1">
   <p:cSld name="Section Header">
     <p:spTree>
@@ -2809,7 +3495,7 @@
           <a:p>
             <a:fld id="{C8D862E6-F1C9-4549-B6A1-420711E466AF}" type="datetimeFigureOut">
               <a:rPr lang="en-IN" smtClean="0"/>
-              <a:t>20-10-2024</a:t>
+              <a:t>05-11-2024</a:t>
             </a:fld>
             <a:endParaRPr lang="en-IN"/>
           </a:p>
@@ -2882,7 +3568,7 @@
 </p:sldLayout>
 </file>
 
-<file path=ppt/slideLayouts/slideLayout4.xml><?xml version="1.0" encoding="utf-8"?>
+<file path=ppt/slideLayouts/slideLayout5.xml><?xml version="1.0" encoding="utf-8"?>
 <p:sldLayout xmlns:a="http://schemas.openxmlformats.org/drawingml/2006/main" xmlns:r="http://schemas.openxmlformats.org/officeDocument/2006/relationships" xmlns:p="http://schemas.openxmlformats.org/presentationml/2006/main" type="twoObj" preserve="1">
   <p:cSld name="Two Content">
     <p:spTree>
@@ -3077,7 +3763,7 @@
           <a:p>
             <a:fld id="{C8D862E6-F1C9-4549-B6A1-420711E466AF}" type="datetimeFigureOut">
               <a:rPr lang="en-IN" smtClean="0"/>
-              <a:t>20-10-2024</a:t>
+              <a:t>05-11-2024</a:t>
             </a:fld>
             <a:endParaRPr lang="en-IN"/>
           </a:p>
@@ -3150,7 +3836,7 @@
 </p:sldLayout>
 </file>
 
-<file path=ppt/slideLayouts/slideLayout5.xml><?xml version="1.0" encoding="utf-8"?>
+<file path=ppt/slideLayouts/slideLayout6.xml><?xml version="1.0" encoding="utf-8"?>
 <p:sldLayout xmlns:a="http://schemas.openxmlformats.org/drawingml/2006/main" xmlns:r="http://schemas.openxmlformats.org/officeDocument/2006/relationships" xmlns:p="http://schemas.openxmlformats.org/presentationml/2006/main" type="twoTxTwoObj" preserve="1">
   <p:cSld name="Comparison">
     <p:spTree>
@@ -3492,7 +4178,7 @@
           <a:p>
             <a:fld id="{C8D862E6-F1C9-4549-B6A1-420711E466AF}" type="datetimeFigureOut">
               <a:rPr lang="en-IN" smtClean="0"/>
-              <a:t>20-10-2024</a:t>
+              <a:t>05-11-2024</a:t>
             </a:fld>
             <a:endParaRPr lang="en-IN"/>
           </a:p>
@@ -3565,7 +4251,7 @@
 </p:sldLayout>
 </file>
 
-<file path=ppt/slideLayouts/slideLayout6.xml><?xml version="1.0" encoding="utf-8"?>
+<file path=ppt/slideLayouts/slideLayout7.xml><?xml version="1.0" encoding="utf-8"?>
 <p:sldLayout xmlns:a="http://schemas.openxmlformats.org/drawingml/2006/main" xmlns:r="http://schemas.openxmlformats.org/officeDocument/2006/relationships" xmlns:p="http://schemas.openxmlformats.org/presentationml/2006/main" type="titleOnly" preserve="1">
   <p:cSld name="Title Only">
     <p:spTree>
@@ -3634,7 +4320,7 @@
           <a:p>
             <a:fld id="{C8D862E6-F1C9-4549-B6A1-420711E466AF}" type="datetimeFigureOut">
               <a:rPr lang="en-IN" smtClean="0"/>
-              <a:t>20-10-2024</a:t>
+              <a:t>05-11-2024</a:t>
             </a:fld>
             <a:endParaRPr lang="en-IN"/>
           </a:p>
@@ -3707,7 +4393,7 @@
 </p:sldLayout>
 </file>
 
-<file path=ppt/slideLayouts/slideLayout7.xml><?xml version="1.0" encoding="utf-8"?>
+<file path=ppt/slideLayouts/slideLayout8.xml><?xml version="1.0" encoding="utf-8"?>
 <p:sldLayout xmlns:a="http://schemas.openxmlformats.org/drawingml/2006/main" xmlns:r="http://schemas.openxmlformats.org/officeDocument/2006/relationships" xmlns:p="http://schemas.openxmlformats.org/presentationml/2006/main" type="blank" preserve="1">
   <p:cSld name="Blank">
     <p:spTree>
@@ -3747,7 +4433,7 @@
           <a:p>
             <a:fld id="{C8D862E6-F1C9-4549-B6A1-420711E466AF}" type="datetimeFigureOut">
               <a:rPr lang="en-IN" smtClean="0"/>
-              <a:t>20-10-2024</a:t>
+              <a:t>05-11-2024</a:t>
             </a:fld>
             <a:endParaRPr lang="en-IN"/>
           </a:p>
@@ -3820,7 +4506,7 @@
 </p:sldLayout>
 </file>
 
-<file path=ppt/slideLayouts/slideLayout8.xml><?xml version="1.0" encoding="utf-8"?>
+<file path=ppt/slideLayouts/slideLayout9.xml><?xml version="1.0" encoding="utf-8"?>
 <p:sldLayout xmlns:a="http://schemas.openxmlformats.org/drawingml/2006/main" xmlns:r="http://schemas.openxmlformats.org/officeDocument/2006/relationships" xmlns:p="http://schemas.openxmlformats.org/presentationml/2006/main" type="objTx" preserve="1">
   <p:cSld name="Content with Caption">
     <p:spTree>
@@ -4060,7 +4746,7 @@
           <a:p>
             <a:fld id="{C8D862E6-F1C9-4549-B6A1-420711E466AF}" type="datetimeFigureOut">
               <a:rPr lang="en-IN" smtClean="0"/>
-              <a:t>20-10-2024</a:t>
+              <a:t>05-11-2024</a:t>
             </a:fld>
             <a:endParaRPr lang="en-IN"/>
           </a:p>
@@ -4124,295 +4810,6 @@
     <p:extLst>
       <p:ext uri="{BB962C8B-B14F-4D97-AF65-F5344CB8AC3E}">
         <p14:creationId xmlns:p14="http://schemas.microsoft.com/office/powerpoint/2010/main" val="2481582967"/>
-      </p:ext>
-    </p:extLst>
-  </p:cSld>
-  <p:clrMapOvr>
-    <a:masterClrMapping/>
-  </p:clrMapOvr>
-</p:sldLayout>
-</file>
-
-<file path=ppt/slideLayouts/slideLayout9.xml><?xml version="1.0" encoding="utf-8"?>
-<p:sldLayout xmlns:a="http://schemas.openxmlformats.org/drawingml/2006/main" xmlns:r="http://schemas.openxmlformats.org/officeDocument/2006/relationships" xmlns:p="http://schemas.openxmlformats.org/presentationml/2006/main" type="picTx" preserve="1">
-  <p:cSld name="Picture with Caption">
-    <p:spTree>
-      <p:nvGrpSpPr>
-        <p:cNvPr id="1" name=""/>
-        <p:cNvGrpSpPr/>
-        <p:nvPr/>
-      </p:nvGrpSpPr>
-      <p:grpSpPr>
-        <a:xfrm>
-          <a:off x="0" y="0"/>
-          <a:ext cx="0" cy="0"/>
-          <a:chOff x="0" y="0"/>
-          <a:chExt cx="0" cy="0"/>
-        </a:xfrm>
-      </p:grpSpPr>
-      <p:sp>
-        <p:nvSpPr>
-          <p:cNvPr id="2" name="Title 1">
-            <a:extLst>
-              <a:ext uri="{FF2B5EF4-FFF2-40B4-BE49-F238E27FC236}">
-                <a16:creationId xmlns:a16="http://schemas.microsoft.com/office/drawing/2014/main" id="{1B0C34CA-8A0A-40FA-BB56-B7B58053F332}"/>
-              </a:ext>
-            </a:extLst>
-          </p:cNvPr>
-          <p:cNvSpPr>
-            <a:spLocks noGrp="1"/>
-          </p:cNvSpPr>
-          <p:nvPr>
-            <p:ph type="title"/>
-          </p:nvPr>
-        </p:nvSpPr>
-        <p:spPr>
-          <a:xfrm>
-            <a:off x="839788" y="457200"/>
-            <a:ext cx="3932237" cy="1600200"/>
-          </a:xfrm>
-        </p:spPr>
-        <p:txBody>
-          <a:bodyPr anchor="b"/>
-          <a:lstStyle>
-            <a:lvl1pPr>
-              <a:defRPr sz="3200"/>
-            </a:lvl1pPr>
-          </a:lstStyle>
-          <a:p>
-            <a:r>
-              <a:rPr lang="en-US"/>
-              <a:t>Click to edit Master title style</a:t>
-            </a:r>
-            <a:endParaRPr lang="en-IN"/>
-          </a:p>
-        </p:txBody>
-      </p:sp>
-      <p:sp>
-        <p:nvSpPr>
-          <p:cNvPr id="3" name="Picture Placeholder 2">
-            <a:extLst>
-              <a:ext uri="{FF2B5EF4-FFF2-40B4-BE49-F238E27FC236}">
-                <a16:creationId xmlns:a16="http://schemas.microsoft.com/office/drawing/2014/main" id="{CDB11AA5-463C-457B-A663-48B15631CF12}"/>
-              </a:ext>
-            </a:extLst>
-          </p:cNvPr>
-          <p:cNvSpPr>
-            <a:spLocks noGrp="1"/>
-          </p:cNvSpPr>
-          <p:nvPr>
-            <p:ph type="pic" idx="1"/>
-          </p:nvPr>
-        </p:nvSpPr>
-        <p:spPr>
-          <a:xfrm>
-            <a:off x="5183188" y="987425"/>
-            <a:ext cx="6172200" cy="4873625"/>
-          </a:xfrm>
-        </p:spPr>
-        <p:txBody>
-          <a:bodyPr/>
-          <a:lstStyle>
-            <a:lvl1pPr marL="0" indent="0">
-              <a:buNone/>
-              <a:defRPr sz="3200"/>
-            </a:lvl1pPr>
-            <a:lvl2pPr marL="457200" indent="0">
-              <a:buNone/>
-              <a:defRPr sz="2800"/>
-            </a:lvl2pPr>
-            <a:lvl3pPr marL="914400" indent="0">
-              <a:buNone/>
-              <a:defRPr sz="2400"/>
-            </a:lvl3pPr>
-            <a:lvl4pPr marL="1371600" indent="0">
-              <a:buNone/>
-              <a:defRPr sz="2000"/>
-            </a:lvl4pPr>
-            <a:lvl5pPr marL="1828800" indent="0">
-              <a:buNone/>
-              <a:defRPr sz="2000"/>
-            </a:lvl5pPr>
-            <a:lvl6pPr marL="2286000" indent="0">
-              <a:buNone/>
-              <a:defRPr sz="2000"/>
-            </a:lvl6pPr>
-            <a:lvl7pPr marL="2743200" indent="0">
-              <a:buNone/>
-              <a:defRPr sz="2000"/>
-            </a:lvl7pPr>
-            <a:lvl8pPr marL="3200400" indent="0">
-              <a:buNone/>
-              <a:defRPr sz="2000"/>
-            </a:lvl8pPr>
-            <a:lvl9pPr marL="3657600" indent="0">
-              <a:buNone/>
-              <a:defRPr sz="2000"/>
-            </a:lvl9pPr>
-          </a:lstStyle>
-          <a:p>
-            <a:endParaRPr lang="en-IN"/>
-          </a:p>
-        </p:txBody>
-      </p:sp>
-      <p:sp>
-        <p:nvSpPr>
-          <p:cNvPr id="4" name="Text Placeholder 3">
-            <a:extLst>
-              <a:ext uri="{FF2B5EF4-FFF2-40B4-BE49-F238E27FC236}">
-                <a16:creationId xmlns:a16="http://schemas.microsoft.com/office/drawing/2014/main" id="{A2B5E063-DCBB-470E-9174-DD779849D8BA}"/>
-              </a:ext>
-            </a:extLst>
-          </p:cNvPr>
-          <p:cNvSpPr>
-            <a:spLocks noGrp="1"/>
-          </p:cNvSpPr>
-          <p:nvPr>
-            <p:ph type="body" sz="half" idx="2"/>
-          </p:nvPr>
-        </p:nvSpPr>
-        <p:spPr>
-          <a:xfrm>
-            <a:off x="839788" y="2057400"/>
-            <a:ext cx="3932237" cy="3811588"/>
-          </a:xfrm>
-        </p:spPr>
-        <p:txBody>
-          <a:bodyPr/>
-          <a:lstStyle>
-            <a:lvl1pPr marL="0" indent="0">
-              <a:buNone/>
-              <a:defRPr sz="1600"/>
-            </a:lvl1pPr>
-            <a:lvl2pPr marL="457200" indent="0">
-              <a:buNone/>
-              <a:defRPr sz="1400"/>
-            </a:lvl2pPr>
-            <a:lvl3pPr marL="914400" indent="0">
-              <a:buNone/>
-              <a:defRPr sz="1200"/>
-            </a:lvl3pPr>
-            <a:lvl4pPr marL="1371600" indent="0">
-              <a:buNone/>
-              <a:defRPr sz="1000"/>
-            </a:lvl4pPr>
-            <a:lvl5pPr marL="1828800" indent="0">
-              <a:buNone/>
-              <a:defRPr sz="1000"/>
-            </a:lvl5pPr>
-            <a:lvl6pPr marL="2286000" indent="0">
-              <a:buNone/>
-              <a:defRPr sz="1000"/>
-            </a:lvl6pPr>
-            <a:lvl7pPr marL="2743200" indent="0">
-              <a:buNone/>
-              <a:defRPr sz="1000"/>
-            </a:lvl7pPr>
-            <a:lvl8pPr marL="3200400" indent="0">
-              <a:buNone/>
-              <a:defRPr sz="1000"/>
-            </a:lvl8pPr>
-            <a:lvl9pPr marL="3657600" indent="0">
-              <a:buNone/>
-              <a:defRPr sz="1000"/>
-            </a:lvl9pPr>
-          </a:lstStyle>
-          <a:p>
-            <a:pPr lvl="0"/>
-            <a:r>
-              <a:rPr lang="en-US"/>
-              <a:t>Click to edit Master text styles</a:t>
-            </a:r>
-          </a:p>
-        </p:txBody>
-      </p:sp>
-      <p:sp>
-        <p:nvSpPr>
-          <p:cNvPr id="5" name="Date Placeholder 4">
-            <a:extLst>
-              <a:ext uri="{FF2B5EF4-FFF2-40B4-BE49-F238E27FC236}">
-                <a16:creationId xmlns:a16="http://schemas.microsoft.com/office/drawing/2014/main" id="{3433A6CA-CC18-4500-B95B-D7ADA5F43CC0}"/>
-              </a:ext>
-            </a:extLst>
-          </p:cNvPr>
-          <p:cNvSpPr>
-            <a:spLocks noGrp="1"/>
-          </p:cNvSpPr>
-          <p:nvPr>
-            <p:ph type="dt" sz="half" idx="10"/>
-          </p:nvPr>
-        </p:nvSpPr>
-        <p:spPr/>
-        <p:txBody>
-          <a:bodyPr/>
-          <a:lstStyle/>
-          <a:p>
-            <a:fld id="{C8D862E6-F1C9-4549-B6A1-420711E466AF}" type="datetimeFigureOut">
-              <a:rPr lang="en-IN" smtClean="0"/>
-              <a:t>20-10-2024</a:t>
-            </a:fld>
-            <a:endParaRPr lang="en-IN"/>
-          </a:p>
-        </p:txBody>
-      </p:sp>
-      <p:sp>
-        <p:nvSpPr>
-          <p:cNvPr id="6" name="Footer Placeholder 5">
-            <a:extLst>
-              <a:ext uri="{FF2B5EF4-FFF2-40B4-BE49-F238E27FC236}">
-                <a16:creationId xmlns:a16="http://schemas.microsoft.com/office/drawing/2014/main" id="{55AFDAF4-070D-4849-B2DD-D4FEDDBD90A0}"/>
-              </a:ext>
-            </a:extLst>
-          </p:cNvPr>
-          <p:cNvSpPr>
-            <a:spLocks noGrp="1"/>
-          </p:cNvSpPr>
-          <p:nvPr>
-            <p:ph type="ftr" sz="quarter" idx="11"/>
-          </p:nvPr>
-        </p:nvSpPr>
-        <p:spPr/>
-        <p:txBody>
-          <a:bodyPr/>
-          <a:lstStyle/>
-          <a:p>
-            <a:endParaRPr lang="en-IN"/>
-          </a:p>
-        </p:txBody>
-      </p:sp>
-      <p:sp>
-        <p:nvSpPr>
-          <p:cNvPr id="7" name="Slide Number Placeholder 6">
-            <a:extLst>
-              <a:ext uri="{FF2B5EF4-FFF2-40B4-BE49-F238E27FC236}">
-                <a16:creationId xmlns:a16="http://schemas.microsoft.com/office/drawing/2014/main" id="{8D5CAE25-3318-4814-9C8D-97A28498C44C}"/>
-              </a:ext>
-            </a:extLst>
-          </p:cNvPr>
-          <p:cNvSpPr>
-            <a:spLocks noGrp="1"/>
-          </p:cNvSpPr>
-          <p:nvPr>
-            <p:ph type="sldNum" sz="quarter" idx="12"/>
-          </p:nvPr>
-        </p:nvSpPr>
-        <p:spPr/>
-        <p:txBody>
-          <a:bodyPr/>
-          <a:lstStyle/>
-          <a:p>
-            <a:fld id="{09F6550E-0A0E-4425-8233-2DEE23C0E167}" type="slidenum">
-              <a:rPr lang="en-IN" smtClean="0"/>
-              <a:t>‹#›</a:t>
-            </a:fld>
-            <a:endParaRPr lang="en-IN"/>
-          </a:p>
-        </p:txBody>
-      </p:sp>
-    </p:spTree>
-    <p:extLst>
-      <p:ext uri="{BB962C8B-B14F-4D97-AF65-F5344CB8AC3E}">
-        <p14:creationId xmlns:p14="http://schemas.microsoft.com/office/powerpoint/2010/main" val="1181003945"/>
       </p:ext>
     </p:extLst>
   </p:cSld>
@@ -4602,7 +4999,7 @@
           <a:p>
             <a:fld id="{C8D862E6-F1C9-4549-B6A1-420711E466AF}" type="datetimeFigureOut">
               <a:rPr lang="en-IN" smtClean="0"/>
-              <a:t>20-10-2024</a:t>
+              <a:t>05-11-2024</a:t>
             </a:fld>
             <a:endParaRPr lang="en-IN"/>
           </a:p>
@@ -4709,15 +5106,16 @@
   <p:sldLayoutIdLst>
     <p:sldLayoutId id="2147483649" r:id="rId1"/>
     <p:sldLayoutId id="2147483650" r:id="rId2"/>
-    <p:sldLayoutId id="2147483651" r:id="rId3"/>
-    <p:sldLayoutId id="2147483652" r:id="rId4"/>
-    <p:sldLayoutId id="2147483653" r:id="rId5"/>
-    <p:sldLayoutId id="2147483654" r:id="rId6"/>
-    <p:sldLayoutId id="2147483655" r:id="rId7"/>
-    <p:sldLayoutId id="2147483656" r:id="rId8"/>
-    <p:sldLayoutId id="2147483657" r:id="rId9"/>
-    <p:sldLayoutId id="2147483658" r:id="rId10"/>
-    <p:sldLayoutId id="2147483659" r:id="rId11"/>
+    <p:sldLayoutId id="2147483660" r:id="rId3"/>
+    <p:sldLayoutId id="2147483651" r:id="rId4"/>
+    <p:sldLayoutId id="2147483652" r:id="rId5"/>
+    <p:sldLayoutId id="2147483653" r:id="rId6"/>
+    <p:sldLayoutId id="2147483654" r:id="rId7"/>
+    <p:sldLayoutId id="2147483655" r:id="rId8"/>
+    <p:sldLayoutId id="2147483656" r:id="rId9"/>
+    <p:sldLayoutId id="2147483657" r:id="rId10"/>
+    <p:sldLayoutId id="2147483658" r:id="rId11"/>
+    <p:sldLayoutId id="2147483659" r:id="rId12"/>
   </p:sldLayoutIdLst>
   <p:txStyles>
     <p:titleStyle>
@@ -5101,10 +5499,10 @@
       </p:grpSpPr>
       <p:sp>
         <p:nvSpPr>
-          <p:cNvPr id="2" name="Title 1">
-            <a:extLst>
-              <a:ext uri="{FF2B5EF4-FFF2-40B4-BE49-F238E27FC236}">
-                <a16:creationId xmlns:a16="http://schemas.microsoft.com/office/drawing/2014/main" id="{BEE57282-7201-489A-9DA8-1EE640700F29}"/>
+          <p:cNvPr id="4" name="Title 3">
+            <a:extLst>
+              <a:ext uri="{FF2B5EF4-FFF2-40B4-BE49-F238E27FC236}">
+                <a16:creationId xmlns:a16="http://schemas.microsoft.com/office/drawing/2014/main" id="{EBE939A8-1C0A-4BA8-AA53-77886BB5AC7B}"/>
               </a:ext>
             </a:extLst>
           </p:cNvPr>
@@ -5126,10 +5524,10 @@
       </p:sp>
       <p:sp>
         <p:nvSpPr>
-          <p:cNvPr id="3" name="Content Placeholder 2">
-            <a:extLst>
-              <a:ext uri="{FF2B5EF4-FFF2-40B4-BE49-F238E27FC236}">
-                <a16:creationId xmlns:a16="http://schemas.microsoft.com/office/drawing/2014/main" id="{012B8561-AE15-47CE-8405-09DA207617BB}"/>
+          <p:cNvPr id="5" name="Content Placeholder 4">
+            <a:extLst>
+              <a:ext uri="{FF2B5EF4-FFF2-40B4-BE49-F238E27FC236}">
+                <a16:creationId xmlns:a16="http://schemas.microsoft.com/office/drawing/2014/main" id="{5725F35B-0D7B-4874-A631-5E9E656E7CC5}"/>
               </a:ext>
             </a:extLst>
           </p:cNvPr>
@@ -5153,6 +5551,86 @@
     <p:extLst>
       <p:ext uri="{BB962C8B-B14F-4D97-AF65-F5344CB8AC3E}">
         <p14:creationId xmlns:p14="http://schemas.microsoft.com/office/powerpoint/2010/main" val="3462909212"/>
+      </p:ext>
+    </p:extLst>
+  </p:cSld>
+  <p:clrMapOvr>
+    <a:masterClrMapping/>
+  </p:clrMapOvr>
+</p:sld>
+</file>
+
+<file path=ppt/slides/slide3.xml><?xml version="1.0" encoding="utf-8"?>
+<p:sld xmlns:a="http://schemas.openxmlformats.org/drawingml/2006/main" xmlns:r="http://schemas.openxmlformats.org/officeDocument/2006/relationships" xmlns:p="http://schemas.openxmlformats.org/presentationml/2006/main">
+  <p:cSld>
+    <p:spTree>
+      <p:nvGrpSpPr>
+        <p:cNvPr id="1" name=""/>
+        <p:cNvGrpSpPr/>
+        <p:nvPr/>
+      </p:nvGrpSpPr>
+      <p:grpSpPr>
+        <a:xfrm>
+          <a:off x="0" y="0"/>
+          <a:ext cx="0" cy="0"/>
+          <a:chOff x="0" y="0"/>
+          <a:chExt cx="0" cy="0"/>
+        </a:xfrm>
+      </p:grpSpPr>
+      <p:sp>
+        <p:nvSpPr>
+          <p:cNvPr id="4" name="Title 3">
+            <a:extLst>
+              <a:ext uri="{FF2B5EF4-FFF2-40B4-BE49-F238E27FC236}">
+                <a16:creationId xmlns:a16="http://schemas.microsoft.com/office/drawing/2014/main" id="{E2843915-1326-45CC-91BE-4CA99FDE7987}"/>
+              </a:ext>
+            </a:extLst>
+          </p:cNvPr>
+          <p:cNvSpPr>
+            <a:spLocks noGrp="1"/>
+          </p:cNvSpPr>
+          <p:nvPr>
+            <p:ph type="title"/>
+          </p:nvPr>
+        </p:nvSpPr>
+        <p:spPr/>
+        <p:txBody>
+          <a:bodyPr/>
+          <a:lstStyle/>
+          <a:p>
+            <a:endParaRPr lang="zh-CN" altLang="en-US"/>
+          </a:p>
+        </p:txBody>
+      </p:sp>
+      <p:sp>
+        <p:nvSpPr>
+          <p:cNvPr id="5" name="Content Placeholder 4">
+            <a:extLst>
+              <a:ext uri="{FF2B5EF4-FFF2-40B4-BE49-F238E27FC236}">
+                <a16:creationId xmlns:a16="http://schemas.microsoft.com/office/drawing/2014/main" id="{EC4FC189-2790-42BB-BF96-09FA51B4BAE4}"/>
+              </a:ext>
+            </a:extLst>
+          </p:cNvPr>
+          <p:cNvSpPr>
+            <a:spLocks noGrp="1"/>
+          </p:cNvSpPr>
+          <p:nvPr>
+            <p:ph idx="1"/>
+          </p:nvPr>
+        </p:nvSpPr>
+        <p:spPr/>
+        <p:txBody>
+          <a:bodyPr/>
+          <a:lstStyle/>
+          <a:p>
+            <a:endParaRPr lang="zh-CN" altLang="en-US"/>
+          </a:p>
+        </p:txBody>
+      </p:sp>
+    </p:spTree>
+    <p:extLst>
+      <p:ext uri="{BB962C8B-B14F-4D97-AF65-F5344CB8AC3E}">
+        <p14:creationId xmlns:p14="http://schemas.microsoft.com/office/powerpoint/2010/main" val="1206316491"/>
       </p:ext>
     </p:extLst>
   </p:cSld>

--- a/psd/46046-life science ppt templates.pptx
+++ b/psd/46046-life science ppt templates.pptx
@@ -382,7 +382,7 @@
           <a:p>
             <a:fld id="{C8D862E6-F1C9-4549-B6A1-420711E466AF}" type="datetimeFigureOut">
               <a:rPr lang="en-IN" smtClean="0"/>
-              <a:t>05-11-2024</a:t>
+              <a:t>08-11-2024</a:t>
             </a:fld>
             <a:endParaRPr lang="en-IN"/>
           </a:p>
@@ -2040,7 +2040,7 @@
           <a:p>
             <a:fld id="{C8D862E6-F1C9-4549-B6A1-420711E466AF}" type="datetimeFigureOut">
               <a:rPr lang="en-IN" smtClean="0"/>
-              <a:t>05-11-2024</a:t>
+              <a:t>08-11-2024</a:t>
             </a:fld>
             <a:endParaRPr lang="en-IN"/>
           </a:p>
@@ -2240,7 +2240,7 @@
           <a:p>
             <a:fld id="{C8D862E6-F1C9-4549-B6A1-420711E466AF}" type="datetimeFigureOut">
               <a:rPr lang="en-IN" smtClean="0"/>
-              <a:t>05-11-2024</a:t>
+              <a:t>08-11-2024</a:t>
             </a:fld>
             <a:endParaRPr lang="en-IN"/>
           </a:p>
@@ -2450,7 +2450,7 @@
           <a:p>
             <a:fld id="{C8D862E6-F1C9-4549-B6A1-420711E466AF}" type="datetimeFigureOut">
               <a:rPr lang="en-IN" smtClean="0"/>
-              <a:t>05-11-2024</a:t>
+              <a:t>08-11-2024</a:t>
             </a:fld>
             <a:endParaRPr lang="en-IN"/>
           </a:p>
@@ -2729,38 +2729,38 @@
           <a:p>
             <a:pPr lvl="0"/>
             <a:r>
-              <a:rPr lang="en-US"/>
+              <a:rPr lang="en-US" dirty="0"/>
               <a:t>Click to edit Master text styles</a:t>
             </a:r>
           </a:p>
           <a:p>
             <a:pPr lvl="1"/>
             <a:r>
-              <a:rPr lang="en-US"/>
+              <a:rPr lang="en-US" dirty="0"/>
               <a:t>Second level</a:t>
             </a:r>
           </a:p>
           <a:p>
             <a:pPr lvl="2"/>
             <a:r>
-              <a:rPr lang="en-US"/>
+              <a:rPr lang="en-US" dirty="0"/>
               <a:t>Third level</a:t>
             </a:r>
           </a:p>
           <a:p>
             <a:pPr lvl="3"/>
             <a:r>
-              <a:rPr lang="en-US"/>
+              <a:rPr lang="en-US" dirty="0"/>
               <a:t>Fourth level</a:t>
             </a:r>
           </a:p>
           <a:p>
             <a:pPr lvl="4"/>
             <a:r>
-              <a:rPr lang="en-US"/>
+              <a:rPr lang="en-US" dirty="0"/>
               <a:t>Fifth level</a:t>
             </a:r>
-            <a:endParaRPr lang="en-IN"/>
+            <a:endParaRPr lang="en-IN" dirty="0"/>
           </a:p>
         </p:txBody>
       </p:sp>
@@ -2787,7 +2787,7 @@
           <a:p>
             <a:fld id="{C8D862E6-F1C9-4549-B6A1-420711E466AF}" type="datetimeFigureOut">
               <a:rPr lang="en-IN" smtClean="0"/>
-              <a:t>05-11-2024</a:t>
+              <a:t>08-11-2024</a:t>
             </a:fld>
             <a:endParaRPr lang="en-IN"/>
           </a:p>
@@ -2875,7 +2875,7 @@
         </p:blipFill>
         <p:spPr>
           <a:xfrm>
-            <a:off x="11146521" y="5186903"/>
+            <a:off x="11078890" y="4862768"/>
             <a:ext cx="878183" cy="1534572"/>
           </a:xfrm>
           <a:prstGeom prst="rect">
@@ -2883,6 +2883,74 @@
           </a:prstGeom>
         </p:spPr>
       </p:pic>
+      <p:sp>
+        <p:nvSpPr>
+          <p:cNvPr id="13" name="TextBox 12">
+            <a:extLst>
+              <a:ext uri="{FF2B5EF4-FFF2-40B4-BE49-F238E27FC236}">
+                <a16:creationId xmlns:a16="http://schemas.microsoft.com/office/drawing/2014/main" id="{7F8C7218-CEAE-4F0F-B682-74618490F3A9}"/>
+              </a:ext>
+            </a:extLst>
+          </p:cNvPr>
+          <p:cNvSpPr txBox="1"/>
+          <p:nvPr userDrawn="1"/>
+        </p:nvSpPr>
+        <p:spPr>
+          <a:xfrm>
+            <a:off x="9982200" y="6396012"/>
+            <a:ext cx="2193380" cy="338554"/>
+          </a:xfrm>
+          <a:prstGeom prst="rect">
+            <a:avLst/>
+          </a:prstGeom>
+          <a:noFill/>
+          <a:effectLst/>
+        </p:spPr>
+        <p:txBody>
+          <a:bodyPr wrap="square">
+            <a:spAutoFit/>
+          </a:bodyPr>
+          <a:lstStyle/>
+          <a:p>
+            <a:r>
+              <a:rPr lang="en-US" altLang="zh-CN" sz="1600" dirty="0">
+                <a:solidFill>
+                  <a:srgbClr val="002060"/>
+                </a:solidFill>
+                <a:effectLst>
+                  <a:outerShdw blurRad="38100" dist="38100" dir="2700000" algn="tl">
+                    <a:srgbClr val="000000">
+                      <a:alpha val="43137"/>
+                    </a:srgbClr>
+                  </a:outerShdw>
+                </a:effectLst>
+                <a:latin typeface="Impact" panose="020B0806030902050204" pitchFamily="34" charset="0"/>
+                <a:hlinkClick r:id="rId4">
+                  <a:extLst>
+                    <a:ext uri="{A12FA001-AC4F-418D-AE19-62706E023703}">
+                      <ahyp:hlinkClr xmlns:ahyp="http://schemas.microsoft.com/office/drawing/2018/hyperlinkcolor" val="tx"/>
+                    </a:ext>
+                  </a:extLst>
+                </a:hlinkClick>
+              </a:rPr>
+              <a:t>https://gcmodeller.org/</a:t>
+            </a:r>
+            <a:endParaRPr lang="en-US" altLang="zh-CN" sz="1600" dirty="0">
+              <a:solidFill>
+                <a:srgbClr val="002060"/>
+              </a:solidFill>
+              <a:effectLst>
+                <a:outerShdw blurRad="38100" dist="38100" dir="2700000" algn="tl">
+                  <a:srgbClr val="000000">
+                    <a:alpha val="43137"/>
+                  </a:srgbClr>
+                </a:outerShdw>
+              </a:effectLst>
+              <a:latin typeface="Impact" panose="020B0806030902050204" pitchFamily="34" charset="0"/>
+            </a:endParaRPr>
+          </a:p>
+        </p:txBody>
+      </p:sp>
     </p:spTree>
     <p:extLst>
       <p:ext uri="{BB962C8B-B14F-4D97-AF65-F5344CB8AC3E}">
@@ -3146,7 +3214,7 @@
           <a:p>
             <a:fld id="{C8D862E6-F1C9-4549-B6A1-420711E466AF}" type="datetimeFigureOut">
               <a:rPr lang="en-IN" smtClean="0"/>
-              <a:t>05-11-2024</a:t>
+              <a:t>08-11-2024</a:t>
             </a:fld>
             <a:endParaRPr lang="en-IN"/>
           </a:p>
@@ -3206,42 +3274,6 @@
           </a:p>
         </p:txBody>
       </p:sp>
-      <p:pic>
-        <p:nvPicPr>
-          <p:cNvPr id="7" name="Picture 6">
-            <a:extLst>
-              <a:ext uri="{FF2B5EF4-FFF2-40B4-BE49-F238E27FC236}">
-                <a16:creationId xmlns:a16="http://schemas.microsoft.com/office/drawing/2014/main" id="{58A37D89-CAEF-464D-8F9F-0CAE5DC7C26F}"/>
-              </a:ext>
-            </a:extLst>
-          </p:cNvPr>
-          <p:cNvPicPr>
-            <a:picLocks noChangeAspect="1"/>
-          </p:cNvPicPr>
-          <p:nvPr userDrawn="1"/>
-        </p:nvPicPr>
-        <p:blipFill>
-          <a:blip r:embed="rId2">
-            <a:extLst>
-              <a:ext uri="{28A0092B-C50C-407E-A947-70E740481C1C}">
-                <a14:useLocalDpi xmlns:a14="http://schemas.microsoft.com/office/drawing/2010/main" val="0"/>
-              </a:ext>
-            </a:extLst>
-          </a:blip>
-          <a:stretch>
-            <a:fillRect/>
-          </a:stretch>
-        </p:blipFill>
-        <p:spPr>
-          <a:xfrm>
-            <a:off x="11146521" y="5186903"/>
-            <a:ext cx="878183" cy="1534572"/>
-          </a:xfrm>
-          <a:prstGeom prst="rect">
-            <a:avLst/>
-          </a:prstGeom>
-        </p:spPr>
-      </p:pic>
       <p:sp>
         <p:nvSpPr>
           <p:cNvPr id="12" name="标题 1">
@@ -3276,6 +3308,110 @@
           <a:p>
             <a:pPr algn="ctr"/>
             <a:endParaRPr kumimoji="1" lang="zh-CN" altLang="en-US"/>
+          </a:p>
+        </p:txBody>
+      </p:sp>
+      <p:pic>
+        <p:nvPicPr>
+          <p:cNvPr id="13" name="Picture 12">
+            <a:extLst>
+              <a:ext uri="{FF2B5EF4-FFF2-40B4-BE49-F238E27FC236}">
+                <a16:creationId xmlns:a16="http://schemas.microsoft.com/office/drawing/2014/main" id="{6DD0B2CE-D7BA-440D-829A-8FC7BC8F1A74}"/>
+              </a:ext>
+            </a:extLst>
+          </p:cNvPr>
+          <p:cNvPicPr>
+            <a:picLocks noChangeAspect="1"/>
+          </p:cNvPicPr>
+          <p:nvPr userDrawn="1"/>
+        </p:nvPicPr>
+        <p:blipFill>
+          <a:blip r:embed="rId2">
+            <a:extLst>
+              <a:ext uri="{28A0092B-C50C-407E-A947-70E740481C1C}">
+                <a14:useLocalDpi xmlns:a14="http://schemas.microsoft.com/office/drawing/2010/main" val="0"/>
+              </a:ext>
+            </a:extLst>
+          </a:blip>
+          <a:stretch>
+            <a:fillRect/>
+          </a:stretch>
+        </p:blipFill>
+        <p:spPr>
+          <a:xfrm>
+            <a:off x="11078890" y="4862768"/>
+            <a:ext cx="878183" cy="1534572"/>
+          </a:xfrm>
+          <a:prstGeom prst="rect">
+            <a:avLst/>
+          </a:prstGeom>
+        </p:spPr>
+      </p:pic>
+      <p:sp>
+        <p:nvSpPr>
+          <p:cNvPr id="14" name="TextBox 13">
+            <a:extLst>
+              <a:ext uri="{FF2B5EF4-FFF2-40B4-BE49-F238E27FC236}">
+                <a16:creationId xmlns:a16="http://schemas.microsoft.com/office/drawing/2014/main" id="{3DF83903-5724-4585-8520-026EA0E70700}"/>
+              </a:ext>
+            </a:extLst>
+          </p:cNvPr>
+          <p:cNvSpPr txBox="1"/>
+          <p:nvPr userDrawn="1"/>
+        </p:nvSpPr>
+        <p:spPr>
+          <a:xfrm>
+            <a:off x="9982200" y="6396012"/>
+            <a:ext cx="2193380" cy="338554"/>
+          </a:xfrm>
+          <a:prstGeom prst="rect">
+            <a:avLst/>
+          </a:prstGeom>
+          <a:noFill/>
+          <a:effectLst/>
+        </p:spPr>
+        <p:txBody>
+          <a:bodyPr wrap="square">
+            <a:spAutoFit/>
+          </a:bodyPr>
+          <a:lstStyle/>
+          <a:p>
+            <a:r>
+              <a:rPr lang="en-US" altLang="zh-CN" sz="1600" dirty="0">
+                <a:solidFill>
+                  <a:srgbClr val="002060"/>
+                </a:solidFill>
+                <a:effectLst>
+                  <a:outerShdw blurRad="38100" dist="38100" dir="2700000" algn="tl">
+                    <a:srgbClr val="000000">
+                      <a:alpha val="43137"/>
+                    </a:srgbClr>
+                  </a:outerShdw>
+                </a:effectLst>
+                <a:latin typeface="Impact" panose="020B0806030902050204" pitchFamily="34" charset="0"/>
+                <a:hlinkClick r:id="rId3">
+                  <a:extLst>
+                    <a:ext uri="{A12FA001-AC4F-418D-AE19-62706E023703}">
+                      <ahyp:hlinkClr xmlns:ahyp="http://schemas.microsoft.com/office/drawing/2018/hyperlinkcolor" val="tx"/>
+                    </a:ext>
+                  </a:extLst>
+                </a:hlinkClick>
+              </a:rPr>
+              <a:t>https://gcmodeller.org/</a:t>
+            </a:r>
+            <a:endParaRPr lang="en-US" altLang="zh-CN" sz="1600" dirty="0">
+              <a:solidFill>
+                <a:srgbClr val="002060"/>
+              </a:solidFill>
+              <a:effectLst>
+                <a:outerShdw blurRad="38100" dist="38100" dir="2700000" algn="tl">
+                  <a:srgbClr val="000000">
+                    <a:alpha val="43137"/>
+                  </a:srgbClr>
+                </a:outerShdw>
+              </a:effectLst>
+              <a:latin typeface="Impact" panose="020B0806030902050204" pitchFamily="34" charset="0"/>
+            </a:endParaRPr>
           </a:p>
         </p:txBody>
       </p:sp>
@@ -3495,7 +3631,7 @@
           <a:p>
             <a:fld id="{C8D862E6-F1C9-4549-B6A1-420711E466AF}" type="datetimeFigureOut">
               <a:rPr lang="en-IN" smtClean="0"/>
-              <a:t>05-11-2024</a:t>
+              <a:t>08-11-2024</a:t>
             </a:fld>
             <a:endParaRPr lang="en-IN"/>
           </a:p>
@@ -3763,7 +3899,7 @@
           <a:p>
             <a:fld id="{C8D862E6-F1C9-4549-B6A1-420711E466AF}" type="datetimeFigureOut">
               <a:rPr lang="en-IN" smtClean="0"/>
-              <a:t>05-11-2024</a:t>
+              <a:t>08-11-2024</a:t>
             </a:fld>
             <a:endParaRPr lang="en-IN"/>
           </a:p>
@@ -4178,7 +4314,7 @@
           <a:p>
             <a:fld id="{C8D862E6-F1C9-4549-B6A1-420711E466AF}" type="datetimeFigureOut">
               <a:rPr lang="en-IN" smtClean="0"/>
-              <a:t>05-11-2024</a:t>
+              <a:t>08-11-2024</a:t>
             </a:fld>
             <a:endParaRPr lang="en-IN"/>
           </a:p>
@@ -4320,7 +4456,7 @@
           <a:p>
             <a:fld id="{C8D862E6-F1C9-4549-B6A1-420711E466AF}" type="datetimeFigureOut">
               <a:rPr lang="en-IN" smtClean="0"/>
-              <a:t>05-11-2024</a:t>
+              <a:t>08-11-2024</a:t>
             </a:fld>
             <a:endParaRPr lang="en-IN"/>
           </a:p>
@@ -4433,7 +4569,7 @@
           <a:p>
             <a:fld id="{C8D862E6-F1C9-4549-B6A1-420711E466AF}" type="datetimeFigureOut">
               <a:rPr lang="en-IN" smtClean="0"/>
-              <a:t>05-11-2024</a:t>
+              <a:t>08-11-2024</a:t>
             </a:fld>
             <a:endParaRPr lang="en-IN"/>
           </a:p>
@@ -4746,7 +4882,7 @@
           <a:p>
             <a:fld id="{C8D862E6-F1C9-4549-B6A1-420711E466AF}" type="datetimeFigureOut">
               <a:rPr lang="en-IN" smtClean="0"/>
-              <a:t>05-11-2024</a:t>
+              <a:t>08-11-2024</a:t>
             </a:fld>
             <a:endParaRPr lang="en-IN"/>
           </a:p>
@@ -4999,7 +5135,7 @@
           <a:p>
             <a:fld id="{C8D862E6-F1C9-4549-B6A1-420711E466AF}" type="datetimeFigureOut">
               <a:rPr lang="en-IN" smtClean="0"/>
-              <a:t>05-11-2024</a:t>
+              <a:t>08-11-2024</a:t>
             </a:fld>
             <a:endParaRPr lang="en-IN"/>
           </a:p>

--- a/psd/46046-life science ppt templates.pptx
+++ b/psd/46046-life science ppt templates.pptx
@@ -382,7 +382,7 @@
           <a:p>
             <a:fld id="{C8D862E6-F1C9-4549-B6A1-420711E466AF}" type="datetimeFigureOut">
               <a:rPr lang="en-IN" smtClean="0"/>
-              <a:t>08-11-2024</a:t>
+              <a:t>07-07-2025</a:t>
             </a:fld>
             <a:endParaRPr lang="en-IN"/>
           </a:p>
@@ -2040,7 +2040,7 @@
           <a:p>
             <a:fld id="{C8D862E6-F1C9-4549-B6A1-420711E466AF}" type="datetimeFigureOut">
               <a:rPr lang="en-IN" smtClean="0"/>
-              <a:t>08-11-2024</a:t>
+              <a:t>07-07-2025</a:t>
             </a:fld>
             <a:endParaRPr lang="en-IN"/>
           </a:p>
@@ -2240,7 +2240,7 @@
           <a:p>
             <a:fld id="{C8D862E6-F1C9-4549-B6A1-420711E466AF}" type="datetimeFigureOut">
               <a:rPr lang="en-IN" smtClean="0"/>
-              <a:t>08-11-2024</a:t>
+              <a:t>07-07-2025</a:t>
             </a:fld>
             <a:endParaRPr lang="en-IN"/>
           </a:p>
@@ -2450,7 +2450,7 @@
           <a:p>
             <a:fld id="{C8D862E6-F1C9-4549-B6A1-420711E466AF}" type="datetimeFigureOut">
               <a:rPr lang="en-IN" smtClean="0"/>
-              <a:t>08-11-2024</a:t>
+              <a:t>07-07-2025</a:t>
             </a:fld>
             <a:endParaRPr lang="en-IN"/>
           </a:p>
@@ -2787,7 +2787,7 @@
           <a:p>
             <a:fld id="{C8D862E6-F1C9-4549-B6A1-420711E466AF}" type="datetimeFigureOut">
               <a:rPr lang="en-IN" smtClean="0"/>
-              <a:t>08-11-2024</a:t>
+              <a:t>07-07-2025</a:t>
             </a:fld>
             <a:endParaRPr lang="en-IN"/>
           </a:p>
@@ -3214,7 +3214,7 @@
           <a:p>
             <a:fld id="{C8D862E6-F1C9-4549-B6A1-420711E466AF}" type="datetimeFigureOut">
               <a:rPr lang="en-IN" smtClean="0"/>
-              <a:t>08-11-2024</a:t>
+              <a:t>07-07-2025</a:t>
             </a:fld>
             <a:endParaRPr lang="en-IN"/>
           </a:p>
@@ -3631,7 +3631,7 @@
           <a:p>
             <a:fld id="{C8D862E6-F1C9-4549-B6A1-420711E466AF}" type="datetimeFigureOut">
               <a:rPr lang="en-IN" smtClean="0"/>
-              <a:t>08-11-2024</a:t>
+              <a:t>07-07-2025</a:t>
             </a:fld>
             <a:endParaRPr lang="en-IN"/>
           </a:p>
@@ -3899,7 +3899,7 @@
           <a:p>
             <a:fld id="{C8D862E6-F1C9-4549-B6A1-420711E466AF}" type="datetimeFigureOut">
               <a:rPr lang="en-IN" smtClean="0"/>
-              <a:t>08-11-2024</a:t>
+              <a:t>07-07-2025</a:t>
             </a:fld>
             <a:endParaRPr lang="en-IN"/>
           </a:p>
@@ -4314,7 +4314,7 @@
           <a:p>
             <a:fld id="{C8D862E6-F1C9-4549-B6A1-420711E466AF}" type="datetimeFigureOut">
               <a:rPr lang="en-IN" smtClean="0"/>
-              <a:t>08-11-2024</a:t>
+              <a:t>07-07-2025</a:t>
             </a:fld>
             <a:endParaRPr lang="en-IN"/>
           </a:p>
@@ -4456,7 +4456,7 @@
           <a:p>
             <a:fld id="{C8D862E6-F1C9-4549-B6A1-420711E466AF}" type="datetimeFigureOut">
               <a:rPr lang="en-IN" smtClean="0"/>
-              <a:t>08-11-2024</a:t>
+              <a:t>07-07-2025</a:t>
             </a:fld>
             <a:endParaRPr lang="en-IN"/>
           </a:p>
@@ -4569,7 +4569,7 @@
           <a:p>
             <a:fld id="{C8D862E6-F1C9-4549-B6A1-420711E466AF}" type="datetimeFigureOut">
               <a:rPr lang="en-IN" smtClean="0"/>
-              <a:t>08-11-2024</a:t>
+              <a:t>07-07-2025</a:t>
             </a:fld>
             <a:endParaRPr lang="en-IN"/>
           </a:p>
@@ -4882,7 +4882,7 @@
           <a:p>
             <a:fld id="{C8D862E6-F1C9-4549-B6A1-420711E466AF}" type="datetimeFigureOut">
               <a:rPr lang="en-IN" smtClean="0"/>
-              <a:t>08-11-2024</a:t>
+              <a:t>07-07-2025</a:t>
             </a:fld>
             <a:endParaRPr lang="en-IN"/>
           </a:p>
@@ -5135,7 +5135,7 @@
           <a:p>
             <a:fld id="{C8D862E6-F1C9-4549-B6A1-420711E466AF}" type="datetimeFigureOut">
               <a:rPr lang="en-IN" smtClean="0"/>
-              <a:t>08-11-2024</a:t>
+              <a:t>07-07-2025</a:t>
             </a:fld>
             <a:endParaRPr lang="en-IN"/>
           </a:p>
@@ -5574,7 +5574,14 @@
           <a:bodyPr/>
           <a:lstStyle/>
           <a:p>
-            <a:endParaRPr lang="zh-CN" altLang="en-US"/>
+            <a:r>
+              <a:rPr lang="en-US" altLang="zh-CN" dirty="0"/>
+              <a:t>GCModeller</a:t>
+            </a:r>
+            <a:r>
+              <a:rPr lang="zh-CN" altLang="en-US" dirty="0"/>
+              <a:t>虚拟细胞计算系统介绍</a:t>
+            </a:r>
           </a:p>
         </p:txBody>
       </p:sp>
@@ -5599,7 +5606,11 @@
           <a:bodyPr/>
           <a:lstStyle/>
           <a:p>
-            <a:endParaRPr lang="zh-CN" altLang="en-US"/>
+            <a:r>
+              <a:rPr lang="en-US" altLang="zh-CN" dirty="0"/>
+              <a:t>biocad@innovation.ac.cn</a:t>
+            </a:r>
+            <a:endParaRPr lang="zh-CN" altLang="en-US" dirty="0"/>
           </a:p>
         </p:txBody>
       </p:sp>
